--- a/docs/설계및분석/화면 기획서.pptx
+++ b/docs/설계및분석/화면 기획서.pptx
@@ -9,39 +9,40 @@
     <p:sldId id="278" r:id="rId3"/>
     <p:sldId id="275" r:id="rId4"/>
     <p:sldId id="283" r:id="rId5"/>
-    <p:sldId id="279" r:id="rId6"/>
-    <p:sldId id="280" r:id="rId7"/>
-    <p:sldId id="281" r:id="rId8"/>
-    <p:sldId id="282" r:id="rId9"/>
-    <p:sldId id="284" r:id="rId10"/>
-    <p:sldId id="285" r:id="rId11"/>
-    <p:sldId id="286" r:id="rId12"/>
-    <p:sldId id="287" r:id="rId13"/>
-    <p:sldId id="288" r:id="rId14"/>
-    <p:sldId id="264" r:id="rId15"/>
-    <p:sldId id="265" r:id="rId16"/>
-    <p:sldId id="266" r:id="rId17"/>
-    <p:sldId id="267" r:id="rId18"/>
-    <p:sldId id="268" r:id="rId19"/>
-    <p:sldId id="269" r:id="rId20"/>
-    <p:sldId id="270" r:id="rId21"/>
-    <p:sldId id="271" r:id="rId22"/>
-    <p:sldId id="272" r:id="rId23"/>
-    <p:sldId id="273" r:id="rId24"/>
-    <p:sldId id="256" r:id="rId25"/>
-    <p:sldId id="257" r:id="rId26"/>
-    <p:sldId id="258" r:id="rId27"/>
-    <p:sldId id="259" r:id="rId28"/>
-    <p:sldId id="260" r:id="rId29"/>
-    <p:sldId id="261" r:id="rId30"/>
-    <p:sldId id="262" r:id="rId31"/>
-    <p:sldId id="263" r:id="rId32"/>
-    <p:sldId id="276" r:id="rId33"/>
-    <p:sldId id="277" r:id="rId34"/>
-    <p:sldId id="289" r:id="rId35"/>
-    <p:sldId id="290" r:id="rId36"/>
-    <p:sldId id="291" r:id="rId37"/>
-    <p:sldId id="292" r:id="rId38"/>
+    <p:sldId id="293" r:id="rId6"/>
+    <p:sldId id="279" r:id="rId7"/>
+    <p:sldId id="280" r:id="rId8"/>
+    <p:sldId id="281" r:id="rId9"/>
+    <p:sldId id="282" r:id="rId10"/>
+    <p:sldId id="284" r:id="rId11"/>
+    <p:sldId id="285" r:id="rId12"/>
+    <p:sldId id="286" r:id="rId13"/>
+    <p:sldId id="287" r:id="rId14"/>
+    <p:sldId id="288" r:id="rId15"/>
+    <p:sldId id="264" r:id="rId16"/>
+    <p:sldId id="265" r:id="rId17"/>
+    <p:sldId id="266" r:id="rId18"/>
+    <p:sldId id="267" r:id="rId19"/>
+    <p:sldId id="268" r:id="rId20"/>
+    <p:sldId id="269" r:id="rId21"/>
+    <p:sldId id="270" r:id="rId22"/>
+    <p:sldId id="271" r:id="rId23"/>
+    <p:sldId id="272" r:id="rId24"/>
+    <p:sldId id="273" r:id="rId25"/>
+    <p:sldId id="256" r:id="rId26"/>
+    <p:sldId id="257" r:id="rId27"/>
+    <p:sldId id="258" r:id="rId28"/>
+    <p:sldId id="259" r:id="rId29"/>
+    <p:sldId id="260" r:id="rId30"/>
+    <p:sldId id="261" r:id="rId31"/>
+    <p:sldId id="262" r:id="rId32"/>
+    <p:sldId id="263" r:id="rId33"/>
+    <p:sldId id="276" r:id="rId34"/>
+    <p:sldId id="277" r:id="rId35"/>
+    <p:sldId id="289" r:id="rId36"/>
+    <p:sldId id="290" r:id="rId37"/>
+    <p:sldId id="291" r:id="rId38"/>
+    <p:sldId id="292" r:id="rId39"/>
   </p:sldIdLst>
   <p:sldSz cx="9144000" cy="6858000" type="screen4x3"/>
   <p:notesSz cx="6858000" cy="9144000"/>
@@ -324,7 +325,7 @@
           <a:p>
             <a:fld id="{BC5F1A95-9D1D-469F-B3D3-33933C1D0989}" type="datetimeFigureOut">
               <a:rPr lang="ko-KR" altLang="en-US" smtClean="0"/>
-              <a:t>2019-07-10</a:t>
+              <a:t>2019-07-12</a:t>
             </a:fld>
             <a:endParaRPr lang="ko-KR" altLang="en-US"/>
           </a:p>
@@ -494,7 +495,7 @@
           <a:p>
             <a:fld id="{BC5F1A95-9D1D-469F-B3D3-33933C1D0989}" type="datetimeFigureOut">
               <a:rPr lang="ko-KR" altLang="en-US" smtClean="0"/>
-              <a:t>2019-07-10</a:t>
+              <a:t>2019-07-12</a:t>
             </a:fld>
             <a:endParaRPr lang="ko-KR" altLang="en-US"/>
           </a:p>
@@ -674,7 +675,7 @@
           <a:p>
             <a:fld id="{BC5F1A95-9D1D-469F-B3D3-33933C1D0989}" type="datetimeFigureOut">
               <a:rPr lang="ko-KR" altLang="en-US" smtClean="0"/>
-              <a:t>2019-07-10</a:t>
+              <a:t>2019-07-12</a:t>
             </a:fld>
             <a:endParaRPr lang="ko-KR" altLang="en-US"/>
           </a:p>
@@ -844,7 +845,7 @@
           <a:p>
             <a:fld id="{BC5F1A95-9D1D-469F-B3D3-33933C1D0989}" type="datetimeFigureOut">
               <a:rPr lang="ko-KR" altLang="en-US" smtClean="0"/>
-              <a:t>2019-07-10</a:t>
+              <a:t>2019-07-12</a:t>
             </a:fld>
             <a:endParaRPr lang="ko-KR" altLang="en-US"/>
           </a:p>
@@ -1090,7 +1091,7 @@
           <a:p>
             <a:fld id="{BC5F1A95-9D1D-469F-B3D3-33933C1D0989}" type="datetimeFigureOut">
               <a:rPr lang="ko-KR" altLang="en-US" smtClean="0"/>
-              <a:t>2019-07-10</a:t>
+              <a:t>2019-07-12</a:t>
             </a:fld>
             <a:endParaRPr lang="ko-KR" altLang="en-US"/>
           </a:p>
@@ -1378,7 +1379,7 @@
           <a:p>
             <a:fld id="{BC5F1A95-9D1D-469F-B3D3-33933C1D0989}" type="datetimeFigureOut">
               <a:rPr lang="ko-KR" altLang="en-US" smtClean="0"/>
-              <a:t>2019-07-10</a:t>
+              <a:t>2019-07-12</a:t>
             </a:fld>
             <a:endParaRPr lang="ko-KR" altLang="en-US"/>
           </a:p>
@@ -1800,7 +1801,7 @@
           <a:p>
             <a:fld id="{BC5F1A95-9D1D-469F-B3D3-33933C1D0989}" type="datetimeFigureOut">
               <a:rPr lang="ko-KR" altLang="en-US" smtClean="0"/>
-              <a:t>2019-07-10</a:t>
+              <a:t>2019-07-12</a:t>
             </a:fld>
             <a:endParaRPr lang="ko-KR" altLang="en-US"/>
           </a:p>
@@ -1918,7 +1919,7 @@
           <a:p>
             <a:fld id="{BC5F1A95-9D1D-469F-B3D3-33933C1D0989}" type="datetimeFigureOut">
               <a:rPr lang="ko-KR" altLang="en-US" smtClean="0"/>
-              <a:t>2019-07-10</a:t>
+              <a:t>2019-07-12</a:t>
             </a:fld>
             <a:endParaRPr lang="ko-KR" altLang="en-US"/>
           </a:p>
@@ -2013,7 +2014,7 @@
           <a:p>
             <a:fld id="{BC5F1A95-9D1D-469F-B3D3-33933C1D0989}" type="datetimeFigureOut">
               <a:rPr lang="ko-KR" altLang="en-US" smtClean="0"/>
-              <a:t>2019-07-10</a:t>
+              <a:t>2019-07-12</a:t>
             </a:fld>
             <a:endParaRPr lang="ko-KR" altLang="en-US"/>
           </a:p>
@@ -2290,7 +2291,7 @@
           <a:p>
             <a:fld id="{BC5F1A95-9D1D-469F-B3D3-33933C1D0989}" type="datetimeFigureOut">
               <a:rPr lang="ko-KR" altLang="en-US" smtClean="0"/>
-              <a:t>2019-07-10</a:t>
+              <a:t>2019-07-12</a:t>
             </a:fld>
             <a:endParaRPr lang="ko-KR" altLang="en-US"/>
           </a:p>
@@ -2543,7 +2544,7 @@
           <a:p>
             <a:fld id="{BC5F1A95-9D1D-469F-B3D3-33933C1D0989}" type="datetimeFigureOut">
               <a:rPr lang="ko-KR" altLang="en-US" smtClean="0"/>
-              <a:t>2019-07-10</a:t>
+              <a:t>2019-07-12</a:t>
             </a:fld>
             <a:endParaRPr lang="ko-KR" altLang="en-US"/>
           </a:p>
@@ -2756,7 +2757,7 @@
           <a:p>
             <a:fld id="{BC5F1A95-9D1D-469F-B3D3-33933C1D0989}" type="datetimeFigureOut">
               <a:rPr lang="ko-KR" altLang="en-US" smtClean="0"/>
-              <a:t>2019-07-10</a:t>
+              <a:t>2019-07-12</a:t>
             </a:fld>
             <a:endParaRPr lang="ko-KR" altLang="en-US"/>
           </a:p>
@@ -3223,6 +3224,77 @@
       </p:grpSpPr>
       <p:pic>
         <p:nvPicPr>
+          <p:cNvPr id="24578" name="Picture 2" descr="D:\cafe24\비트 1차 과제\002_설계분석자료\uml\관리자_SeQ_1_로그인.gif"/>
+          <p:cNvPicPr>
+            <a:picLocks noChangeAspect="1" noChangeArrowheads="1"/>
+          </p:cNvPicPr>
+          <p:nvPr/>
+        </p:nvPicPr>
+        <p:blipFill>
+          <a:blip r:embed="rId2">
+            <a:extLst>
+              <a:ext uri="{28A0092B-C50C-407E-A947-70E740481C1C}">
+                <a14:useLocalDpi xmlns:a14="http://schemas.microsoft.com/office/drawing/2010/main" val="0"/>
+              </a:ext>
+            </a:extLst>
+          </a:blip>
+          <a:srcRect/>
+          <a:stretch>
+            <a:fillRect/>
+          </a:stretch>
+        </p:blipFill>
+        <p:spPr bwMode="auto">
+          <a:xfrm>
+            <a:off x="1619672" y="908720"/>
+            <a:ext cx="4953000" cy="4572000"/>
+          </a:xfrm>
+          <a:prstGeom prst="rect">
+            <a:avLst/>
+          </a:prstGeom>
+          <a:noFill/>
+          <a:extLst>
+            <a:ext uri="{909E8E84-426E-40DD-AFC4-6F175D3DCCD1}">
+              <a14:hiddenFill xmlns:a14="http://schemas.microsoft.com/office/drawing/2010/main">
+                <a:solidFill>
+                  <a:srgbClr val="FFFFFF"/>
+                </a:solidFill>
+              </a14:hiddenFill>
+            </a:ext>
+          </a:extLst>
+        </p:spPr>
+      </p:pic>
+    </p:spTree>
+    <p:extLst>
+      <p:ext uri="{BB962C8B-B14F-4D97-AF65-F5344CB8AC3E}">
+        <p14:creationId xmlns:p14="http://schemas.microsoft.com/office/powerpoint/2010/main" val="1123744392"/>
+      </p:ext>
+    </p:extLst>
+  </p:cSld>
+  <p:clrMapOvr>
+    <a:masterClrMapping/>
+  </p:clrMapOvr>
+</p:sld>
+</file>
+
+<file path=ppt/slides/slide11.xml><?xml version="1.0" encoding="utf-8"?>
+<p:sld xmlns:a="http://schemas.openxmlformats.org/drawingml/2006/main" xmlns:r="http://schemas.openxmlformats.org/officeDocument/2006/relationships" xmlns:p="http://schemas.openxmlformats.org/presentationml/2006/main">
+  <p:cSld>
+    <p:spTree>
+      <p:nvGrpSpPr>
+        <p:cNvPr id="1" name=""/>
+        <p:cNvGrpSpPr/>
+        <p:nvPr/>
+      </p:nvGrpSpPr>
+      <p:grpSpPr>
+        <a:xfrm>
+          <a:off x="0" y="0"/>
+          <a:ext cx="0" cy="0"/>
+          <a:chOff x="0" y="0"/>
+          <a:chExt cx="0" cy="0"/>
+        </a:xfrm>
+      </p:grpSpPr>
+      <p:pic>
+        <p:nvPicPr>
           <p:cNvPr id="25602" name="Picture 2" descr="D:\cafe24\비트 1차 과제\002_설계분석자료\uml\관리자_SeQ_2_상품및진열관리.gif"/>
           <p:cNvPicPr>
             <a:picLocks noChangeAspect="1" noChangeArrowheads="1"/>
@@ -3275,7 +3347,7 @@
 </p:sld>
 </file>
 
-<file path=ppt/slides/slide11.xml><?xml version="1.0" encoding="utf-8"?>
+<file path=ppt/slides/slide12.xml><?xml version="1.0" encoding="utf-8"?>
 <p:sld xmlns:a="http://schemas.openxmlformats.org/drawingml/2006/main" xmlns:r="http://schemas.openxmlformats.org/officeDocument/2006/relationships" xmlns:p="http://schemas.openxmlformats.org/presentationml/2006/main">
   <p:cSld>
     <p:spTree>
@@ -3346,7 +3418,7 @@
 </p:sld>
 </file>
 
-<file path=ppt/slides/slide12.xml><?xml version="1.0" encoding="utf-8"?>
+<file path=ppt/slides/slide13.xml><?xml version="1.0" encoding="utf-8"?>
 <p:sld xmlns:a="http://schemas.openxmlformats.org/drawingml/2006/main" xmlns:r="http://schemas.openxmlformats.org/officeDocument/2006/relationships" xmlns:p="http://schemas.openxmlformats.org/presentationml/2006/main">
   <p:cSld>
     <p:spTree>
@@ -3417,7 +3489,7 @@
 </p:sld>
 </file>
 
-<file path=ppt/slides/slide13.xml><?xml version="1.0" encoding="utf-8"?>
+<file path=ppt/slides/slide14.xml><?xml version="1.0" encoding="utf-8"?>
 <p:sld xmlns:a="http://schemas.openxmlformats.org/drawingml/2006/main" xmlns:r="http://schemas.openxmlformats.org/officeDocument/2006/relationships" xmlns:p="http://schemas.openxmlformats.org/presentationml/2006/main">
   <p:cSld>
     <p:spTree>
@@ -3488,7 +3560,7 @@
 </p:sld>
 </file>
 
-<file path=ppt/slides/slide14.xml><?xml version="1.0" encoding="utf-8"?>
+<file path=ppt/slides/slide15.xml><?xml version="1.0" encoding="utf-8"?>
 <p:sld xmlns:a="http://schemas.openxmlformats.org/drawingml/2006/main" xmlns:r="http://schemas.openxmlformats.org/officeDocument/2006/relationships" xmlns:p="http://schemas.openxmlformats.org/presentationml/2006/main">
   <p:cSld>
     <p:bg>
@@ -3568,7 +3640,7 @@
 </p:sld>
 </file>
 
-<file path=ppt/slides/slide15.xml><?xml version="1.0" encoding="utf-8"?>
+<file path=ppt/slides/slide16.xml><?xml version="1.0" encoding="utf-8"?>
 <p:sld xmlns:a="http://schemas.openxmlformats.org/drawingml/2006/main" xmlns:r="http://schemas.openxmlformats.org/officeDocument/2006/relationships" xmlns:p="http://schemas.openxmlformats.org/presentationml/2006/main">
   <p:cSld>
     <p:spTree>
@@ -3976,19 +4048,7 @@
                           <a:ea typeface="+mn-ea"/>
                           <a:cs typeface="+mn-cs"/>
                         </a:rPr>
-                        <a:t>, </a:t>
-                      </a:r>
-                      <a:r>
-                        <a:rPr lang="en-US" altLang="ko-KR" sz="1100" b="1" i="0" kern="1200" dirty="0" smtClean="0">
-                          <a:solidFill>
-                            <a:schemeClr val="dk1"/>
-                          </a:solidFill>
-                          <a:effectLst/>
-                          <a:latin typeface="+mj-lt"/>
-                          <a:ea typeface="+mn-ea"/>
-                          <a:cs typeface="+mn-cs"/>
-                        </a:rPr>
-                        <a:t>8</a:t>
+                        <a:t>, 8</a:t>
                       </a:r>
                       <a:r>
                         <a:rPr lang="ko-KR" altLang="en-US" sz="1100" b="1" i="0" kern="1200" dirty="0" smtClean="0">
@@ -4909,7 +4969,7 @@
 </p:sld>
 </file>
 
-<file path=ppt/slides/slide16.xml><?xml version="1.0" encoding="utf-8"?>
+<file path=ppt/slides/slide17.xml><?xml version="1.0" encoding="utf-8"?>
 <p:sld xmlns:a="http://schemas.openxmlformats.org/drawingml/2006/main" xmlns:r="http://schemas.openxmlformats.org/officeDocument/2006/relationships" xmlns:p="http://schemas.openxmlformats.org/presentationml/2006/main">
   <p:cSld>
     <p:spTree>
@@ -6464,7 +6524,7 @@
 </p:sld>
 </file>
 
-<file path=ppt/slides/slide17.xml><?xml version="1.0" encoding="utf-8"?>
+<file path=ppt/slides/slide18.xml><?xml version="1.0" encoding="utf-8"?>
 <p:sld xmlns:a="http://schemas.openxmlformats.org/drawingml/2006/main" xmlns:r="http://schemas.openxmlformats.org/officeDocument/2006/relationships" xmlns:p="http://schemas.openxmlformats.org/presentationml/2006/main">
   <p:cSld>
     <p:spTree>
@@ -7504,7 +7564,7 @@
 </p:sld>
 </file>
 
-<file path=ppt/slides/slide18.xml><?xml version="1.0" encoding="utf-8"?>
+<file path=ppt/slides/slide19.xml><?xml version="1.0" encoding="utf-8"?>
 <p:sld xmlns:a="http://schemas.openxmlformats.org/drawingml/2006/main" xmlns:r="http://schemas.openxmlformats.org/officeDocument/2006/relationships" xmlns:p="http://schemas.openxmlformats.org/presentationml/2006/main">
   <p:cSld>
     <p:spTree>
@@ -9153,7 +9213,78 @@
 </p:sld>
 </file>
 
-<file path=ppt/slides/slide19.xml><?xml version="1.0" encoding="utf-8"?>
+<file path=ppt/slides/slide2.xml><?xml version="1.0" encoding="utf-8"?>
+<p:sld xmlns:a="http://schemas.openxmlformats.org/drawingml/2006/main" xmlns:r="http://schemas.openxmlformats.org/officeDocument/2006/relationships" xmlns:p="http://schemas.openxmlformats.org/presentationml/2006/main">
+  <p:cSld>
+    <p:spTree>
+      <p:nvGrpSpPr>
+        <p:cNvPr id="1" name=""/>
+        <p:cNvGrpSpPr/>
+        <p:nvPr/>
+      </p:nvGrpSpPr>
+      <p:grpSpPr>
+        <a:xfrm>
+          <a:off x="0" y="0"/>
+          <a:ext cx="0" cy="0"/>
+          <a:chOff x="0" y="0"/>
+          <a:chExt cx="0" cy="0"/>
+        </a:xfrm>
+      </p:grpSpPr>
+      <p:pic>
+        <p:nvPicPr>
+          <p:cNvPr id="18434" name="Picture 2" descr="D:\cafe24\비트 1차 과제\002_설계분석자료\uml\클래스다이어그램v1.0.gif"/>
+          <p:cNvPicPr>
+            <a:picLocks noChangeAspect="1" noChangeArrowheads="1"/>
+          </p:cNvPicPr>
+          <p:nvPr/>
+        </p:nvPicPr>
+        <p:blipFill>
+          <a:blip r:embed="rId2">
+            <a:extLst>
+              <a:ext uri="{28A0092B-C50C-407E-A947-70E740481C1C}">
+                <a14:useLocalDpi xmlns:a14="http://schemas.microsoft.com/office/drawing/2010/main" val="0"/>
+              </a:ext>
+            </a:extLst>
+          </a:blip>
+          <a:srcRect/>
+          <a:stretch>
+            <a:fillRect/>
+          </a:stretch>
+        </p:blipFill>
+        <p:spPr bwMode="auto">
+          <a:xfrm>
+            <a:off x="0" y="0"/>
+            <a:ext cx="9144000" cy="6839457"/>
+          </a:xfrm>
+          <a:prstGeom prst="rect">
+            <a:avLst/>
+          </a:prstGeom>
+          <a:noFill/>
+          <a:extLst>
+            <a:ext uri="{909E8E84-426E-40DD-AFC4-6F175D3DCCD1}">
+              <a14:hiddenFill xmlns:a14="http://schemas.microsoft.com/office/drawing/2010/main">
+                <a:solidFill>
+                  <a:srgbClr val="FFFFFF"/>
+                </a:solidFill>
+              </a14:hiddenFill>
+            </a:ext>
+          </a:extLst>
+        </p:spPr>
+      </p:pic>
+    </p:spTree>
+    <p:extLst>
+      <p:ext uri="{BB962C8B-B14F-4D97-AF65-F5344CB8AC3E}">
+        <p14:creationId xmlns:p14="http://schemas.microsoft.com/office/powerpoint/2010/main" val="4032001621"/>
+      </p:ext>
+    </p:extLst>
+  </p:cSld>
+  <p:clrMapOvr>
+    <a:masterClrMapping/>
+  </p:clrMapOvr>
+</p:sld>
+</file>
+
+<file path=ppt/slides/slide20.xml><?xml version="1.0" encoding="utf-8"?>
 <p:sld xmlns:a="http://schemas.openxmlformats.org/drawingml/2006/main" xmlns:r="http://schemas.openxmlformats.org/officeDocument/2006/relationships" xmlns:p="http://schemas.openxmlformats.org/presentationml/2006/main">
   <p:cSld>
     <p:spTree>
@@ -10378,78 +10509,7 @@
 </p:sld>
 </file>
 
-<file path=ppt/slides/slide2.xml><?xml version="1.0" encoding="utf-8"?>
-<p:sld xmlns:a="http://schemas.openxmlformats.org/drawingml/2006/main" xmlns:r="http://schemas.openxmlformats.org/officeDocument/2006/relationships" xmlns:p="http://schemas.openxmlformats.org/presentationml/2006/main">
-  <p:cSld>
-    <p:spTree>
-      <p:nvGrpSpPr>
-        <p:cNvPr id="1" name=""/>
-        <p:cNvGrpSpPr/>
-        <p:nvPr/>
-      </p:nvGrpSpPr>
-      <p:grpSpPr>
-        <a:xfrm>
-          <a:off x="0" y="0"/>
-          <a:ext cx="0" cy="0"/>
-          <a:chOff x="0" y="0"/>
-          <a:chExt cx="0" cy="0"/>
-        </a:xfrm>
-      </p:grpSpPr>
-      <p:pic>
-        <p:nvPicPr>
-          <p:cNvPr id="18434" name="Picture 2" descr="D:\cafe24\비트 1차 과제\002_설계분석자료\uml\클래스다이어그램v1.0.gif"/>
-          <p:cNvPicPr>
-            <a:picLocks noChangeAspect="1" noChangeArrowheads="1"/>
-          </p:cNvPicPr>
-          <p:nvPr/>
-        </p:nvPicPr>
-        <p:blipFill>
-          <a:blip r:embed="rId2">
-            <a:extLst>
-              <a:ext uri="{28A0092B-C50C-407E-A947-70E740481C1C}">
-                <a14:useLocalDpi xmlns:a14="http://schemas.microsoft.com/office/drawing/2010/main" val="0"/>
-              </a:ext>
-            </a:extLst>
-          </a:blip>
-          <a:srcRect/>
-          <a:stretch>
-            <a:fillRect/>
-          </a:stretch>
-        </p:blipFill>
-        <p:spPr bwMode="auto">
-          <a:xfrm>
-            <a:off x="0" y="0"/>
-            <a:ext cx="9144000" cy="6839457"/>
-          </a:xfrm>
-          <a:prstGeom prst="rect">
-            <a:avLst/>
-          </a:prstGeom>
-          <a:noFill/>
-          <a:extLst>
-            <a:ext uri="{909E8E84-426E-40DD-AFC4-6F175D3DCCD1}">
-              <a14:hiddenFill xmlns:a14="http://schemas.microsoft.com/office/drawing/2010/main">
-                <a:solidFill>
-                  <a:srgbClr val="FFFFFF"/>
-                </a:solidFill>
-              </a14:hiddenFill>
-            </a:ext>
-          </a:extLst>
-        </p:spPr>
-      </p:pic>
-    </p:spTree>
-    <p:extLst>
-      <p:ext uri="{BB962C8B-B14F-4D97-AF65-F5344CB8AC3E}">
-        <p14:creationId xmlns:p14="http://schemas.microsoft.com/office/powerpoint/2010/main" val="4032001621"/>
-      </p:ext>
-    </p:extLst>
-  </p:cSld>
-  <p:clrMapOvr>
-    <a:masterClrMapping/>
-  </p:clrMapOvr>
-</p:sld>
-</file>
-
-<file path=ppt/slides/slide20.xml><?xml version="1.0" encoding="utf-8"?>
+<file path=ppt/slides/slide21.xml><?xml version="1.0" encoding="utf-8"?>
 <p:sld xmlns:a="http://schemas.openxmlformats.org/drawingml/2006/main" xmlns:r="http://schemas.openxmlformats.org/officeDocument/2006/relationships" xmlns:p="http://schemas.openxmlformats.org/presentationml/2006/main">
   <p:cSld>
     <p:spTree>
@@ -11343,7 +11403,7 @@
 </p:sld>
 </file>
 
-<file path=ppt/slides/slide21.xml><?xml version="1.0" encoding="utf-8"?>
+<file path=ppt/slides/slide22.xml><?xml version="1.0" encoding="utf-8"?>
 <p:sld xmlns:a="http://schemas.openxmlformats.org/drawingml/2006/main" xmlns:r="http://schemas.openxmlformats.org/officeDocument/2006/relationships" xmlns:p="http://schemas.openxmlformats.org/presentationml/2006/main">
   <p:cSld>
     <p:spTree>
@@ -12466,7 +12526,7 @@
 </p:sld>
 </file>
 
-<file path=ppt/slides/slide22.xml><?xml version="1.0" encoding="utf-8"?>
+<file path=ppt/slides/slide23.xml><?xml version="1.0" encoding="utf-8"?>
 <p:sld xmlns:a="http://schemas.openxmlformats.org/drawingml/2006/main" xmlns:r="http://schemas.openxmlformats.org/officeDocument/2006/relationships" xmlns:p="http://schemas.openxmlformats.org/presentationml/2006/main">
   <p:cSld>
     <p:spTree>
@@ -13591,7 +13651,7 @@
 </p:sld>
 </file>
 
-<file path=ppt/slides/slide23.xml><?xml version="1.0" encoding="utf-8"?>
+<file path=ppt/slides/slide24.xml><?xml version="1.0" encoding="utf-8"?>
 <p:sld xmlns:a="http://schemas.openxmlformats.org/drawingml/2006/main" xmlns:r="http://schemas.openxmlformats.org/officeDocument/2006/relationships" xmlns:p="http://schemas.openxmlformats.org/presentationml/2006/main">
   <p:cSld>
     <p:spTree>
@@ -14597,7 +14657,7 @@
 </p:sld>
 </file>
 
-<file path=ppt/slides/slide24.xml><?xml version="1.0" encoding="utf-8"?>
+<file path=ppt/slides/slide25.xml><?xml version="1.0" encoding="utf-8"?>
 <p:sld xmlns:a="http://schemas.openxmlformats.org/drawingml/2006/main" xmlns:r="http://schemas.openxmlformats.org/officeDocument/2006/relationships" xmlns:p="http://schemas.openxmlformats.org/presentationml/2006/main">
   <p:cSld>
     <p:bg>
@@ -14677,7 +14737,7 @@
 </p:sld>
 </file>
 
-<file path=ppt/slides/slide25.xml><?xml version="1.0" encoding="utf-8"?>
+<file path=ppt/slides/slide26.xml><?xml version="1.0" encoding="utf-8"?>
 <p:sld xmlns:a="http://schemas.openxmlformats.org/drawingml/2006/main" xmlns:r="http://schemas.openxmlformats.org/officeDocument/2006/relationships" xmlns:p="http://schemas.openxmlformats.org/presentationml/2006/main">
   <p:cSld>
     <p:spTree>
@@ -15567,7 +15627,7 @@
 </p:sld>
 </file>
 
-<file path=ppt/slides/slide26.xml><?xml version="1.0" encoding="utf-8"?>
+<file path=ppt/slides/slide27.xml><?xml version="1.0" encoding="utf-8"?>
 <p:sld xmlns:a="http://schemas.openxmlformats.org/drawingml/2006/main" xmlns:r="http://schemas.openxmlformats.org/officeDocument/2006/relationships" xmlns:p="http://schemas.openxmlformats.org/presentationml/2006/main">
   <p:cSld>
     <p:spTree>
@@ -16237,7 +16297,7 @@
 </p:sld>
 </file>
 
-<file path=ppt/slides/slide27.xml><?xml version="1.0" encoding="utf-8"?>
+<file path=ppt/slides/slide28.xml><?xml version="1.0" encoding="utf-8"?>
 <p:sld xmlns:a="http://schemas.openxmlformats.org/drawingml/2006/main" xmlns:r="http://schemas.openxmlformats.org/officeDocument/2006/relationships" xmlns:p="http://schemas.openxmlformats.org/presentationml/2006/main">
   <p:cSld>
     <p:spTree>
@@ -17549,7 +17609,7 @@
 </p:sld>
 </file>
 
-<file path=ppt/slides/slide28.xml><?xml version="1.0" encoding="utf-8"?>
+<file path=ppt/slides/slide29.xml><?xml version="1.0" encoding="utf-8"?>
 <p:sld xmlns:a="http://schemas.openxmlformats.org/drawingml/2006/main" xmlns:r="http://schemas.openxmlformats.org/officeDocument/2006/relationships" xmlns:p="http://schemas.openxmlformats.org/presentationml/2006/main">
   <p:cSld>
     <p:spTree>
@@ -18797,7 +18857,87 @@
 </p:sld>
 </file>
 
-<file path=ppt/slides/slide29.xml><?xml version="1.0" encoding="utf-8"?>
+<file path=ppt/slides/slide3.xml><?xml version="1.0" encoding="utf-8"?>
+<p:sld xmlns:a="http://schemas.openxmlformats.org/drawingml/2006/main" xmlns:r="http://schemas.openxmlformats.org/officeDocument/2006/relationships" xmlns:p="http://schemas.openxmlformats.org/presentationml/2006/main">
+  <p:cSld>
+    <p:bg>
+      <p:bgPr>
+        <a:solidFill>
+          <a:schemeClr val="accent1"/>
+        </a:solidFill>
+        <a:effectLst/>
+      </p:bgPr>
+    </p:bg>
+    <p:spTree>
+      <p:nvGrpSpPr>
+        <p:cNvPr id="1" name=""/>
+        <p:cNvGrpSpPr/>
+        <p:nvPr/>
+      </p:nvGrpSpPr>
+      <p:grpSpPr>
+        <a:xfrm>
+          <a:off x="0" y="0"/>
+          <a:ext cx="0" cy="0"/>
+          <a:chOff x="0" y="0"/>
+          <a:chExt cx="0" cy="0"/>
+        </a:xfrm>
+      </p:grpSpPr>
+      <p:sp>
+        <p:nvSpPr>
+          <p:cNvPr id="2" name="제목 1"/>
+          <p:cNvSpPr>
+            <a:spLocks noGrp="1"/>
+          </p:cNvSpPr>
+          <p:nvPr>
+            <p:ph type="ctrTitle"/>
+          </p:nvPr>
+        </p:nvSpPr>
+        <p:spPr/>
+        <p:txBody>
+          <a:bodyPr/>
+          <a:lstStyle/>
+          <a:p>
+            <a:r>
+              <a:rPr lang="ko-KR" altLang="en-US" b="1" dirty="0" smtClean="0">
+                <a:solidFill>
+                  <a:schemeClr val="bg1">
+                    <a:lumMod val="95000"/>
+                  </a:schemeClr>
+                </a:solidFill>
+              </a:rPr>
+              <a:t>시퀀스 다이어그램</a:t>
+            </a:r>
+            <a:endParaRPr lang="ko-KR" altLang="en-US" b="1" dirty="0">
+              <a:solidFill>
+                <a:schemeClr val="bg1">
+                  <a:lumMod val="95000"/>
+                </a:schemeClr>
+              </a:solidFill>
+            </a:endParaRPr>
+          </a:p>
+        </p:txBody>
+      </p:sp>
+    </p:spTree>
+    <p:extLst>
+      <p:ext uri="{BB962C8B-B14F-4D97-AF65-F5344CB8AC3E}">
+        <p14:creationId xmlns:p14="http://schemas.microsoft.com/office/powerpoint/2010/main" val="940522486"/>
+      </p:ext>
+    </p:extLst>
+  </p:cSld>
+  <p:clrMapOvr>
+    <a:masterClrMapping/>
+  </p:clrMapOvr>
+  <p:timing>
+    <p:tnLst>
+      <p:par>
+        <p:cTn id="1" dur="indefinite" restart="never" nodeType="tmRoot"/>
+      </p:par>
+    </p:tnLst>
+  </p:timing>
+</p:sld>
+</file>
+
+<file path=ppt/slides/slide30.xml><?xml version="1.0" encoding="utf-8"?>
 <p:sld xmlns:a="http://schemas.openxmlformats.org/drawingml/2006/main" xmlns:r="http://schemas.openxmlformats.org/officeDocument/2006/relationships" xmlns:p="http://schemas.openxmlformats.org/presentationml/2006/main">
   <p:cSld>
     <p:spTree>
@@ -19808,87 +19948,7 @@
 </p:sld>
 </file>
 
-<file path=ppt/slides/slide3.xml><?xml version="1.0" encoding="utf-8"?>
-<p:sld xmlns:a="http://schemas.openxmlformats.org/drawingml/2006/main" xmlns:r="http://schemas.openxmlformats.org/officeDocument/2006/relationships" xmlns:p="http://schemas.openxmlformats.org/presentationml/2006/main">
-  <p:cSld>
-    <p:bg>
-      <p:bgPr>
-        <a:solidFill>
-          <a:schemeClr val="accent1"/>
-        </a:solidFill>
-        <a:effectLst/>
-      </p:bgPr>
-    </p:bg>
-    <p:spTree>
-      <p:nvGrpSpPr>
-        <p:cNvPr id="1" name=""/>
-        <p:cNvGrpSpPr/>
-        <p:nvPr/>
-      </p:nvGrpSpPr>
-      <p:grpSpPr>
-        <a:xfrm>
-          <a:off x="0" y="0"/>
-          <a:ext cx="0" cy="0"/>
-          <a:chOff x="0" y="0"/>
-          <a:chExt cx="0" cy="0"/>
-        </a:xfrm>
-      </p:grpSpPr>
-      <p:sp>
-        <p:nvSpPr>
-          <p:cNvPr id="2" name="제목 1"/>
-          <p:cNvSpPr>
-            <a:spLocks noGrp="1"/>
-          </p:cNvSpPr>
-          <p:nvPr>
-            <p:ph type="ctrTitle"/>
-          </p:nvPr>
-        </p:nvSpPr>
-        <p:spPr/>
-        <p:txBody>
-          <a:bodyPr/>
-          <a:lstStyle/>
-          <a:p>
-            <a:r>
-              <a:rPr lang="ko-KR" altLang="en-US" b="1" dirty="0" smtClean="0">
-                <a:solidFill>
-                  <a:schemeClr val="bg1">
-                    <a:lumMod val="95000"/>
-                  </a:schemeClr>
-                </a:solidFill>
-              </a:rPr>
-              <a:t>시퀀스 다이어그램</a:t>
-            </a:r>
-            <a:endParaRPr lang="ko-KR" altLang="en-US" b="1" dirty="0">
-              <a:solidFill>
-                <a:schemeClr val="bg1">
-                  <a:lumMod val="95000"/>
-                </a:schemeClr>
-              </a:solidFill>
-            </a:endParaRPr>
-          </a:p>
-        </p:txBody>
-      </p:sp>
-    </p:spTree>
-    <p:extLst>
-      <p:ext uri="{BB962C8B-B14F-4D97-AF65-F5344CB8AC3E}">
-        <p14:creationId xmlns:p14="http://schemas.microsoft.com/office/powerpoint/2010/main" val="940522486"/>
-      </p:ext>
-    </p:extLst>
-  </p:cSld>
-  <p:clrMapOvr>
-    <a:masterClrMapping/>
-  </p:clrMapOvr>
-  <p:timing>
-    <p:tnLst>
-      <p:par>
-        <p:cTn id="1" dur="indefinite" restart="never" nodeType="tmRoot"/>
-      </p:par>
-    </p:tnLst>
-  </p:timing>
-</p:sld>
-</file>
-
-<file path=ppt/slides/slide30.xml><?xml version="1.0" encoding="utf-8"?>
+<file path=ppt/slides/slide31.xml><?xml version="1.0" encoding="utf-8"?>
 <p:sld xmlns:a="http://schemas.openxmlformats.org/drawingml/2006/main" xmlns:r="http://schemas.openxmlformats.org/officeDocument/2006/relationships" xmlns:p="http://schemas.openxmlformats.org/presentationml/2006/main">
   <p:cSld>
     <p:spTree>
@@ -20891,7 +20951,7 @@
 </p:sld>
 </file>
 
-<file path=ppt/slides/slide31.xml><?xml version="1.0" encoding="utf-8"?>
+<file path=ppt/slides/slide32.xml><?xml version="1.0" encoding="utf-8"?>
 <p:sld xmlns:a="http://schemas.openxmlformats.org/drawingml/2006/main" xmlns:r="http://schemas.openxmlformats.org/officeDocument/2006/relationships" xmlns:p="http://schemas.openxmlformats.org/presentationml/2006/main">
   <p:cSld>
     <p:spTree>
@@ -22426,7 +22486,7 @@
 </p:sld>
 </file>
 
-<file path=ppt/slides/slide32.xml><?xml version="1.0" encoding="utf-8"?>
+<file path=ppt/slides/slide33.xml><?xml version="1.0" encoding="utf-8"?>
 <p:sld xmlns:a="http://schemas.openxmlformats.org/drawingml/2006/main" xmlns:r="http://schemas.openxmlformats.org/officeDocument/2006/relationships" xmlns:p="http://schemas.openxmlformats.org/presentationml/2006/main">
   <p:cSld>
     <p:bg>
@@ -22506,7 +22566,7 @@
 </p:sld>
 </file>
 
-<file path=ppt/slides/slide33.xml><?xml version="1.0" encoding="utf-8"?>
+<file path=ppt/slides/slide34.xml><?xml version="1.0" encoding="utf-8"?>
 <p:sld xmlns:a="http://schemas.openxmlformats.org/drawingml/2006/main" xmlns:r="http://schemas.openxmlformats.org/officeDocument/2006/relationships" xmlns:p="http://schemas.openxmlformats.org/presentationml/2006/main">
   <p:cSld>
     <p:spTree>
@@ -23189,7 +23249,7 @@
 </p:sld>
 </file>
 
-<file path=ppt/slides/slide34.xml><?xml version="1.0" encoding="utf-8"?>
+<file path=ppt/slides/slide35.xml><?xml version="1.0" encoding="utf-8"?>
 <p:sld xmlns:a="http://schemas.openxmlformats.org/drawingml/2006/main" xmlns:r="http://schemas.openxmlformats.org/officeDocument/2006/relationships" xmlns:p="http://schemas.openxmlformats.org/presentationml/2006/main">
   <p:cSld>
     <p:spTree>
@@ -24540,7 +24600,7 @@
 </p:sld>
 </file>
 
-<file path=ppt/slides/slide35.xml><?xml version="1.0" encoding="utf-8"?>
+<file path=ppt/slides/slide36.xml><?xml version="1.0" encoding="utf-8"?>
 <p:sld xmlns:a="http://schemas.openxmlformats.org/drawingml/2006/main" xmlns:r="http://schemas.openxmlformats.org/officeDocument/2006/relationships" xmlns:p="http://schemas.openxmlformats.org/presentationml/2006/main">
   <p:cSld>
     <p:spTree>
@@ -25161,7 +25221,7 @@
 </p:sld>
 </file>
 
-<file path=ppt/slides/slide36.xml><?xml version="1.0" encoding="utf-8"?>
+<file path=ppt/slides/slide37.xml><?xml version="1.0" encoding="utf-8"?>
 <p:sld xmlns:a="http://schemas.openxmlformats.org/drawingml/2006/main" xmlns:r="http://schemas.openxmlformats.org/officeDocument/2006/relationships" xmlns:p="http://schemas.openxmlformats.org/presentationml/2006/main">
   <p:cSld>
     <p:bg>
@@ -25241,7 +25301,7 @@
 </p:sld>
 </file>
 
-<file path=ppt/slides/slide37.xml><?xml version="1.0" encoding="utf-8"?>
+<file path=ppt/slides/slide38.xml><?xml version="1.0" encoding="utf-8"?>
 <p:sld xmlns:a="http://schemas.openxmlformats.org/drawingml/2006/main" xmlns:r="http://schemas.openxmlformats.org/officeDocument/2006/relationships" xmlns:p="http://schemas.openxmlformats.org/presentationml/2006/main">
   <p:cSld>
     <p:spTree>
@@ -25503,7 +25563,7 @@
       </p:grpSpPr>
       <p:pic>
         <p:nvPicPr>
-          <p:cNvPr id="19458" name="Picture 2" descr="D:\cafe24\비트 1차 과제\002_설계분석자료\uml\SeQ_1_회원가입.gif"/>
+          <p:cNvPr id="1028" name="Picture 4" descr="D:\cafe24\dowork\eclipse-workspace\HelloWorld\jgmall\docs\uml\img\SeQ_1_회원가입.jpg"/>
           <p:cNvPicPr>
             <a:picLocks noChangeAspect="1" noChangeArrowheads="1"/>
           </p:cNvPicPr>
@@ -25524,49 +25584,8 @@
         </p:blipFill>
         <p:spPr bwMode="auto">
           <a:xfrm>
-            <a:off x="107504" y="692696"/>
-            <a:ext cx="4095750" cy="4572001"/>
-          </a:xfrm>
-          <a:prstGeom prst="rect">
-            <a:avLst/>
-          </a:prstGeom>
-          <a:noFill/>
-          <a:extLst>
-            <a:ext uri="{909E8E84-426E-40DD-AFC4-6F175D3DCCD1}">
-              <a14:hiddenFill xmlns:a14="http://schemas.microsoft.com/office/drawing/2010/main">
-                <a:solidFill>
-                  <a:srgbClr val="FFFFFF"/>
-                </a:solidFill>
-              </a14:hiddenFill>
-            </a:ext>
-          </a:extLst>
-        </p:spPr>
-      </p:pic>
-      <p:pic>
-        <p:nvPicPr>
-          <p:cNvPr id="19459" name="Picture 3" descr="D:\cafe24\비트 1차 과제\002_설계분석자료\uml\SeQ_2_로그인.gif"/>
-          <p:cNvPicPr>
-            <a:picLocks noChangeAspect="1" noChangeArrowheads="1"/>
-          </p:cNvPicPr>
-          <p:nvPr/>
-        </p:nvPicPr>
-        <p:blipFill>
-          <a:blip r:embed="rId3">
-            <a:extLst>
-              <a:ext uri="{28A0092B-C50C-407E-A947-70E740481C1C}">
-                <a14:useLocalDpi xmlns:a14="http://schemas.microsoft.com/office/drawing/2010/main" val="0"/>
-              </a:ext>
-            </a:extLst>
-          </a:blip>
-          <a:srcRect/>
-          <a:stretch>
-            <a:fillRect/>
-          </a:stretch>
-        </p:blipFill>
-        <p:spPr bwMode="auto">
-          <a:xfrm>
-            <a:off x="4191000" y="692695"/>
-            <a:ext cx="4953000" cy="4572001"/>
+            <a:off x="1100666" y="0"/>
+            <a:ext cx="6942667" cy="6858000"/>
           </a:xfrm>
           <a:prstGeom prst="rect">
             <a:avLst/>
@@ -25615,7 +25634,7 @@
       </p:grpSpPr>
       <p:pic>
         <p:nvPicPr>
-          <p:cNvPr id="20485" name="Picture 5" descr="D:\cafe24\비트 1차 과제\002_설계분석자료\uml\SeQ_3_상품결재.gif"/>
+          <p:cNvPr id="1026" name="Picture 2" descr="D:\cafe24\dowork\eclipse-workspace\HelloWorld\jgmall\docs\uml\SeQ_2_로그인.jpg"/>
           <p:cNvPicPr>
             <a:picLocks noChangeAspect="1" noChangeArrowheads="1"/>
           </p:cNvPicPr>
@@ -25636,8 +25655,79 @@
         </p:blipFill>
         <p:spPr bwMode="auto">
           <a:xfrm>
-            <a:off x="10634" y="556562"/>
-            <a:ext cx="9144000" cy="5536734"/>
+            <a:off x="0" y="140727"/>
+            <a:ext cx="9144000" cy="6672649"/>
+          </a:xfrm>
+          <a:prstGeom prst="rect">
+            <a:avLst/>
+          </a:prstGeom>
+          <a:noFill/>
+          <a:extLst>
+            <a:ext uri="{909E8E84-426E-40DD-AFC4-6F175D3DCCD1}">
+              <a14:hiddenFill xmlns:a14="http://schemas.microsoft.com/office/drawing/2010/main">
+                <a:solidFill>
+                  <a:srgbClr val="FFFFFF"/>
+                </a:solidFill>
+              </a14:hiddenFill>
+            </a:ext>
+          </a:extLst>
+        </p:spPr>
+      </p:pic>
+    </p:spTree>
+    <p:extLst>
+      <p:ext uri="{BB962C8B-B14F-4D97-AF65-F5344CB8AC3E}">
+        <p14:creationId xmlns:p14="http://schemas.microsoft.com/office/powerpoint/2010/main" val="4180296179"/>
+      </p:ext>
+    </p:extLst>
+  </p:cSld>
+  <p:clrMapOvr>
+    <a:masterClrMapping/>
+  </p:clrMapOvr>
+</p:sld>
+</file>
+
+<file path=ppt/slides/slide6.xml><?xml version="1.0" encoding="utf-8"?>
+<p:sld xmlns:a="http://schemas.openxmlformats.org/drawingml/2006/main" xmlns:r="http://schemas.openxmlformats.org/officeDocument/2006/relationships" xmlns:p="http://schemas.openxmlformats.org/presentationml/2006/main">
+  <p:cSld>
+    <p:spTree>
+      <p:nvGrpSpPr>
+        <p:cNvPr id="1" name=""/>
+        <p:cNvGrpSpPr/>
+        <p:nvPr/>
+      </p:nvGrpSpPr>
+      <p:grpSpPr>
+        <a:xfrm>
+          <a:off x="0" y="0"/>
+          <a:ext cx="0" cy="0"/>
+          <a:chOff x="0" y="0"/>
+          <a:chExt cx="0" cy="0"/>
+        </a:xfrm>
+      </p:grpSpPr>
+      <p:pic>
+        <p:nvPicPr>
+          <p:cNvPr id="3" name="Picture 3" descr="D:\cafe24\dowork\eclipse-workspace\HelloWorld\jgmall\docs\uml\SeQ_3_상품결재.jpg"/>
+          <p:cNvPicPr>
+            <a:picLocks noChangeAspect="1" noChangeArrowheads="1"/>
+          </p:cNvPicPr>
+          <p:nvPr/>
+        </p:nvPicPr>
+        <p:blipFill>
+          <a:blip r:embed="rId2">
+            <a:extLst>
+              <a:ext uri="{28A0092B-C50C-407E-A947-70E740481C1C}">
+                <a14:useLocalDpi xmlns:a14="http://schemas.microsoft.com/office/drawing/2010/main" val="0"/>
+              </a:ext>
+            </a:extLst>
+          </a:blip>
+          <a:srcRect/>
+          <a:stretch>
+            <a:fillRect/>
+          </a:stretch>
+        </p:blipFill>
+        <p:spPr bwMode="auto">
+          <a:xfrm>
+            <a:off x="894121" y="0"/>
+            <a:ext cx="7355758" cy="6858000"/>
           </a:xfrm>
           <a:prstGeom prst="rect">
             <a:avLst/>
@@ -25667,7 +25757,7 @@
 </p:sld>
 </file>
 
-<file path=ppt/slides/slide6.xml><?xml version="1.0" encoding="utf-8"?>
+<file path=ppt/slides/slide7.xml><?xml version="1.0" encoding="utf-8"?>
 <p:sld xmlns:a="http://schemas.openxmlformats.org/drawingml/2006/main" xmlns:r="http://schemas.openxmlformats.org/officeDocument/2006/relationships" xmlns:p="http://schemas.openxmlformats.org/presentationml/2006/main">
   <p:cSld>
     <p:spTree>
@@ -25738,7 +25828,7 @@
 </p:sld>
 </file>
 
-<file path=ppt/slides/slide7.xml><?xml version="1.0" encoding="utf-8"?>
+<file path=ppt/slides/slide8.xml><?xml version="1.0" encoding="utf-8"?>
 <p:sld xmlns:a="http://schemas.openxmlformats.org/drawingml/2006/main" xmlns:r="http://schemas.openxmlformats.org/officeDocument/2006/relationships" xmlns:p="http://schemas.openxmlformats.org/presentationml/2006/main">
   <p:cSld>
     <p:spTree>
@@ -25809,7 +25899,7 @@
 </p:sld>
 </file>
 
-<file path=ppt/slides/slide8.xml><?xml version="1.0" encoding="utf-8"?>
+<file path=ppt/slides/slide9.xml><?xml version="1.0" encoding="utf-8"?>
 <p:sld xmlns:a="http://schemas.openxmlformats.org/drawingml/2006/main" xmlns:r="http://schemas.openxmlformats.org/officeDocument/2006/relationships" xmlns:p="http://schemas.openxmlformats.org/presentationml/2006/main">
   <p:cSld>
     <p:spTree>
@@ -25871,77 +25961,6 @@
     <p:extLst>
       <p:ext uri="{BB962C8B-B14F-4D97-AF65-F5344CB8AC3E}">
         <p14:creationId xmlns:p14="http://schemas.microsoft.com/office/powerpoint/2010/main" val="2109976713"/>
-      </p:ext>
-    </p:extLst>
-  </p:cSld>
-  <p:clrMapOvr>
-    <a:masterClrMapping/>
-  </p:clrMapOvr>
-</p:sld>
-</file>
-
-<file path=ppt/slides/slide9.xml><?xml version="1.0" encoding="utf-8"?>
-<p:sld xmlns:a="http://schemas.openxmlformats.org/drawingml/2006/main" xmlns:r="http://schemas.openxmlformats.org/officeDocument/2006/relationships" xmlns:p="http://schemas.openxmlformats.org/presentationml/2006/main">
-  <p:cSld>
-    <p:spTree>
-      <p:nvGrpSpPr>
-        <p:cNvPr id="1" name=""/>
-        <p:cNvGrpSpPr/>
-        <p:nvPr/>
-      </p:nvGrpSpPr>
-      <p:grpSpPr>
-        <a:xfrm>
-          <a:off x="0" y="0"/>
-          <a:ext cx="0" cy="0"/>
-          <a:chOff x="0" y="0"/>
-          <a:chExt cx="0" cy="0"/>
-        </a:xfrm>
-      </p:grpSpPr>
-      <p:pic>
-        <p:nvPicPr>
-          <p:cNvPr id="24578" name="Picture 2" descr="D:\cafe24\비트 1차 과제\002_설계분석자료\uml\관리자_SeQ_1_로그인.gif"/>
-          <p:cNvPicPr>
-            <a:picLocks noChangeAspect="1" noChangeArrowheads="1"/>
-          </p:cNvPicPr>
-          <p:nvPr/>
-        </p:nvPicPr>
-        <p:blipFill>
-          <a:blip r:embed="rId2">
-            <a:extLst>
-              <a:ext uri="{28A0092B-C50C-407E-A947-70E740481C1C}">
-                <a14:useLocalDpi xmlns:a14="http://schemas.microsoft.com/office/drawing/2010/main" val="0"/>
-              </a:ext>
-            </a:extLst>
-          </a:blip>
-          <a:srcRect/>
-          <a:stretch>
-            <a:fillRect/>
-          </a:stretch>
-        </p:blipFill>
-        <p:spPr bwMode="auto">
-          <a:xfrm>
-            <a:off x="1619672" y="908720"/>
-            <a:ext cx="4953000" cy="4572000"/>
-          </a:xfrm>
-          <a:prstGeom prst="rect">
-            <a:avLst/>
-          </a:prstGeom>
-          <a:noFill/>
-          <a:extLst>
-            <a:ext uri="{909E8E84-426E-40DD-AFC4-6F175D3DCCD1}">
-              <a14:hiddenFill xmlns:a14="http://schemas.microsoft.com/office/drawing/2010/main">
-                <a:solidFill>
-                  <a:srgbClr val="FFFFFF"/>
-                </a:solidFill>
-              </a14:hiddenFill>
-            </a:ext>
-          </a:extLst>
-        </p:spPr>
-      </p:pic>
-    </p:spTree>
-    <p:extLst>
-      <p:ext uri="{BB962C8B-B14F-4D97-AF65-F5344CB8AC3E}">
-        <p14:creationId xmlns:p14="http://schemas.microsoft.com/office/powerpoint/2010/main" val="1123744392"/>
       </p:ext>
     </p:extLst>
   </p:cSld>
